--- a/database/MySQL/DTCC2019/DTCC2019_Database_Compress_for_BaiduNetDisk_V0.10.pptx
+++ b/database/MySQL/DTCC2019/DTCC2019_Database_Compress_for_BaiduNetDisk_V0.10.pptx
@@ -132,7 +132,7 @@
   </p:defaultTextStyle>
   <p:extLst>
     <p:ext uri="{EFAFB233-063F-42B5-8137-9DF3F51BA10A}">
-      <p15:sldGuideLst xmlns="" xmlns:p15="http://schemas.microsoft.com/office/powerpoint/2012/main">
+      <p15:sldGuideLst xmlns:p15="http://schemas.microsoft.com/office/powerpoint/2012/main" xmlns="">
         <p15:guide id="1" orient="horz" pos="1620">
           <p15:clr>
             <a:srgbClr val="A4A3A4"/>
@@ -5242,8 +5242,8 @@
   </dgm:ptLst>
   <dgm:cxnLst>
     <dgm:cxn modelId="{AFF7DCEE-5625-0C4C-8CC1-B06AF5D0641E}" srcId="{23B245AD-39AC-A74B-A370-CEBD84C4AF8C}" destId="{61A39E23-2515-2041-B770-38797E5A90D4}" srcOrd="0" destOrd="0" parTransId="{B6876D33-D1F9-954B-B0F2-E467571BE918}" sibTransId="{3393923A-5987-AA4B-ADF8-738FA229212E}"/>
+    <dgm:cxn modelId="{48C2FEC7-31F0-C74F-BFA1-FA98AD8A5EE6}" type="presOf" srcId="{23B245AD-39AC-A74B-A370-CEBD84C4AF8C}" destId="{AB57D267-9C89-1E40-841D-1FDA86D865A3}" srcOrd="0" destOrd="0" presId="urn:microsoft.com/office/officeart/2005/8/layout/hChevron3"/>
     <dgm:cxn modelId="{603CDC91-708F-754A-8174-57C0460EEFA6}" type="presOf" srcId="{4F189066-71B2-B14B-9FF9-D0AEA4E3C5BB}" destId="{F1A206F1-5713-BE46-8878-21ED3C01FA0F}" srcOrd="0" destOrd="0" presId="urn:microsoft.com/office/officeart/2005/8/layout/hChevron3"/>
-    <dgm:cxn modelId="{48C2FEC7-31F0-C74F-BFA1-FA98AD8A5EE6}" type="presOf" srcId="{23B245AD-39AC-A74B-A370-CEBD84C4AF8C}" destId="{AB57D267-9C89-1E40-841D-1FDA86D865A3}" srcOrd="0" destOrd="0" presId="urn:microsoft.com/office/officeart/2005/8/layout/hChevron3"/>
     <dgm:cxn modelId="{55671592-55ED-8D45-8FF6-F0C5A90D2698}" type="presOf" srcId="{61A39E23-2515-2041-B770-38797E5A90D4}" destId="{4EA900B5-FACC-D345-BD63-6E0539983EB9}" srcOrd="0" destOrd="0" presId="urn:microsoft.com/office/officeart/2005/8/layout/hChevron3"/>
     <dgm:cxn modelId="{9D9DAE84-0C1D-214C-BB45-E6C5BFA8B1C5}" srcId="{23B245AD-39AC-A74B-A370-CEBD84C4AF8C}" destId="{4F189066-71B2-B14B-9FF9-D0AEA4E3C5BB}" srcOrd="2" destOrd="0" parTransId="{1B6F4EBF-80AC-AB4E-8266-5B98DD6F25C7}" sibTransId="{B274E94A-DAEC-ED42-9691-8D999C0E5B40}"/>
     <dgm:cxn modelId="{6E0346D9-CA4C-854B-92F1-0DEBF6AE5275}" type="presOf" srcId="{30AAC1AC-8C1E-E64D-9838-95414D76AB10}" destId="{1D938C54-BDE9-2A4F-AEDE-5B4481279A67}" srcOrd="0" destOrd="0" presId="urn:microsoft.com/office/officeart/2005/8/layout/hChevron3"/>
@@ -16576,6 +16576,201 @@
           <a:bodyPr/>
           <a:lstStyle/>
           <a:p>
+            <a:endParaRPr kumimoji="1" lang="zh-CN" altLang="en-US"/>
+          </a:p>
+          <a:p>
+            <a:r>
+              <a:rPr kumimoji="1" lang="zh-CN" altLang="en-US"/>
+              <a:t>----- 会议笔记(19/4/28 23:24) -----</a:t>
+            </a:r>
+          </a:p>
+          <a:p>
+            <a:endParaRPr kumimoji="1" lang="zh-CN" altLang="en-US"/>
+          </a:p>
+          <a:p>
+            <a:r>
+              <a:rPr kumimoji="1" lang="zh-CN" altLang="en-US"/>
+              <a:t>压缩失败？页分裂为什么会慢？？</a:t>
+            </a:r>
+          </a:p>
+        </p:txBody>
+      </p:sp>
+      <p:sp>
+        <p:nvSpPr>
+          <p:cNvPr id="4" name="幻灯片编号占位符 3"/>
+          <p:cNvSpPr>
+            <a:spLocks noGrp="1"/>
+          </p:cNvSpPr>
+          <p:nvPr>
+            <p:ph type="sldNum" sz="quarter" idx="10"/>
+          </p:nvPr>
+        </p:nvSpPr>
+        <p:spPr/>
+        <p:txBody>
+          <a:bodyPr/>
+          <a:lstStyle/>
+          <a:p>
+            <a:fld id="{D3CD7B7D-ADC6-5142-8B19-B354120EC6DE}" type="slidenum">
+              <a:rPr kumimoji="1" lang="zh-CN" altLang="en-US" smtClean="0"/>
+              <a:t>9</a:t>
+            </a:fld>
+            <a:endParaRPr kumimoji="1" lang="zh-CN" altLang="en-US"/>
+          </a:p>
+        </p:txBody>
+      </p:sp>
+    </p:spTree>
+    <p:extLst>
+      <p:ext uri="{BB962C8B-B14F-4D97-AF65-F5344CB8AC3E}">
+        <p14:creationId xmlns:p14="http://schemas.microsoft.com/office/powerpoint/2010/main" val="1310990825"/>
+      </p:ext>
+    </p:extLst>
+  </p:cSld>
+  <p:clrMapOvr>
+    <a:masterClrMapping/>
+  </p:clrMapOvr>
+</p:notes>
+</file>
+
+<file path=ppt/notesSlides/notesSlide4.xml><?xml version="1.0" encoding="utf-8"?>
+<p:notes xmlns:a="http://schemas.openxmlformats.org/drawingml/2006/main" xmlns:r="http://schemas.openxmlformats.org/officeDocument/2006/relationships" xmlns:p="http://schemas.openxmlformats.org/presentationml/2006/main">
+  <p:cSld>
+    <p:spTree>
+      <p:nvGrpSpPr>
+        <p:cNvPr id="1" name=""/>
+        <p:cNvGrpSpPr/>
+        <p:nvPr/>
+      </p:nvGrpSpPr>
+      <p:grpSpPr>
+        <a:xfrm>
+          <a:off x="0" y="0"/>
+          <a:ext cx="0" cy="0"/>
+          <a:chOff x="0" y="0"/>
+          <a:chExt cx="0" cy="0"/>
+        </a:xfrm>
+      </p:grpSpPr>
+      <p:sp>
+        <p:nvSpPr>
+          <p:cNvPr id="2" name="幻灯片图像占位符 1"/>
+          <p:cNvSpPr>
+            <a:spLocks noGrp="1" noRot="1" noChangeAspect="1"/>
+          </p:cNvSpPr>
+          <p:nvPr>
+            <p:ph type="sldImg"/>
+          </p:nvPr>
+        </p:nvSpPr>
+        <p:spPr/>
+      </p:sp>
+      <p:sp>
+        <p:nvSpPr>
+          <p:cNvPr id="3" name="备注占位符 2"/>
+          <p:cNvSpPr>
+            <a:spLocks noGrp="1"/>
+          </p:cNvSpPr>
+          <p:nvPr>
+            <p:ph type="body" idx="1"/>
+          </p:nvPr>
+        </p:nvSpPr>
+        <p:spPr/>
+        <p:txBody>
+          <a:bodyPr/>
+          <a:lstStyle/>
+          <a:p>
+            <a:endParaRPr kumimoji="1" lang="zh-CN" altLang="en-US"/>
+          </a:p>
+          <a:p>
+            <a:r>
+              <a:rPr kumimoji="1" lang="zh-CN" altLang="en-US"/>
+              <a:t>----- 会议笔记(19/4/28 23:24) -----</a:t>
+            </a:r>
+          </a:p>
+          <a:p>
+            <a:r>
+              <a:rPr kumimoji="1" lang="zh-CN" altLang="en-US"/>
+              <a:t>做了哪些优化？？？细节？？</a:t>
+            </a:r>
+          </a:p>
+        </p:txBody>
+      </p:sp>
+      <p:sp>
+        <p:nvSpPr>
+          <p:cNvPr id="4" name="幻灯片编号占位符 3"/>
+          <p:cNvSpPr>
+            <a:spLocks noGrp="1"/>
+          </p:cNvSpPr>
+          <p:nvPr>
+            <p:ph type="sldNum" sz="quarter" idx="10"/>
+          </p:nvPr>
+        </p:nvSpPr>
+        <p:spPr/>
+        <p:txBody>
+          <a:bodyPr/>
+          <a:lstStyle/>
+          <a:p>
+            <a:fld id="{D3CD7B7D-ADC6-5142-8B19-B354120EC6DE}" type="slidenum">
+              <a:rPr kumimoji="1" lang="zh-CN" altLang="en-US" smtClean="0"/>
+              <a:t>12</a:t>
+            </a:fld>
+            <a:endParaRPr kumimoji="1" lang="zh-CN" altLang="en-US"/>
+          </a:p>
+        </p:txBody>
+      </p:sp>
+    </p:spTree>
+    <p:extLst>
+      <p:ext uri="{BB962C8B-B14F-4D97-AF65-F5344CB8AC3E}">
+        <p14:creationId xmlns:p14="http://schemas.microsoft.com/office/powerpoint/2010/main" val="1681173614"/>
+      </p:ext>
+    </p:extLst>
+  </p:cSld>
+  <p:clrMapOvr>
+    <a:masterClrMapping/>
+  </p:clrMapOvr>
+</p:notes>
+</file>
+
+<file path=ppt/notesSlides/notesSlide5.xml><?xml version="1.0" encoding="utf-8"?>
+<p:notes xmlns:a="http://schemas.openxmlformats.org/drawingml/2006/main" xmlns:r="http://schemas.openxmlformats.org/officeDocument/2006/relationships" xmlns:p="http://schemas.openxmlformats.org/presentationml/2006/main">
+  <p:cSld>
+    <p:spTree>
+      <p:nvGrpSpPr>
+        <p:cNvPr id="1" name=""/>
+        <p:cNvGrpSpPr/>
+        <p:nvPr/>
+      </p:nvGrpSpPr>
+      <p:grpSpPr>
+        <a:xfrm>
+          <a:off x="0" y="0"/>
+          <a:ext cx="0" cy="0"/>
+          <a:chOff x="0" y="0"/>
+          <a:chExt cx="0" cy="0"/>
+        </a:xfrm>
+      </p:grpSpPr>
+      <p:sp>
+        <p:nvSpPr>
+          <p:cNvPr id="2" name="幻灯片图像占位符 1"/>
+          <p:cNvSpPr>
+            <a:spLocks noGrp="1" noRot="1" noChangeAspect="1"/>
+          </p:cNvSpPr>
+          <p:nvPr>
+            <p:ph type="sldImg"/>
+          </p:nvPr>
+        </p:nvSpPr>
+        <p:spPr/>
+      </p:sp>
+      <p:sp>
+        <p:nvSpPr>
+          <p:cNvPr id="3" name="备注占位符 2"/>
+          <p:cNvSpPr>
+            <a:spLocks noGrp="1"/>
+          </p:cNvSpPr>
+          <p:nvPr>
+            <p:ph type="body" idx="1"/>
+          </p:nvPr>
+        </p:nvSpPr>
+        <p:spPr/>
+        <p:txBody>
+          <a:bodyPr/>
+          <a:lstStyle/>
+          <a:p>
             <a:pPr>
               <a:spcBef>
                 <a:spcPts val="300"/>
@@ -17280,7 +17475,7 @@
 </p:notes>
 </file>
 
-<file path=ppt/notesSlides/notesSlide4.xml><?xml version="1.0" encoding="utf-8"?>
+<file path=ppt/notesSlides/notesSlide6.xml><?xml version="1.0" encoding="utf-8"?>
 <p:notes xmlns:a="http://schemas.openxmlformats.org/drawingml/2006/main" xmlns:r="http://schemas.openxmlformats.org/officeDocument/2006/relationships" xmlns:p="http://schemas.openxmlformats.org/presentationml/2006/main">
   <p:cSld>
     <p:spTree>
@@ -17364,7 +17559,7 @@
 </p:notes>
 </file>
 
-<file path=ppt/notesSlides/notesSlide5.xml><?xml version="1.0" encoding="utf-8"?>
+<file path=ppt/notesSlides/notesSlide7.xml><?xml version="1.0" encoding="utf-8"?>
 <p:notes xmlns:a="http://schemas.openxmlformats.org/drawingml/2006/main" xmlns:r="http://schemas.openxmlformats.org/officeDocument/2006/relationships" xmlns:p="http://schemas.openxmlformats.org/presentationml/2006/main">
   <p:cSld>
     <p:spTree>
@@ -17882,7 +18077,7 @@
 </p:notes>
 </file>
 
-<file path=ppt/notesSlides/notesSlide6.xml><?xml version="1.0" encoding="utf-8"?>
+<file path=ppt/notesSlides/notesSlide8.xml><?xml version="1.0" encoding="utf-8"?>
 <p:notes xmlns:a="http://schemas.openxmlformats.org/drawingml/2006/main" xmlns:r="http://schemas.openxmlformats.org/officeDocument/2006/relationships" xmlns:p="http://schemas.openxmlformats.org/presentationml/2006/main">
   <p:cSld>
     <p:spTree>
@@ -18278,7 +18473,7 @@
           <p:cNvPr id="2" name="Title 1">
             <a:extLst>
               <a:ext uri="{FF2B5EF4-FFF2-40B4-BE49-F238E27FC236}">
-                <a16:creationId xmlns="" xmlns:a16="http://schemas.microsoft.com/office/drawing/2014/main" id="{FCBE26C3-BAF9-4E44-8EE3-544142789B36}"/>
+                <a16:creationId xmlns:a16="http://schemas.microsoft.com/office/drawing/2014/main" xmlns="" id="{FCBE26C3-BAF9-4E44-8EE3-544142789B36}"/>
               </a:ext>
             </a:extLst>
           </p:cNvPr>
@@ -18306,7 +18501,7 @@
           <p:cNvPr id="3" name="Date Placeholder 2">
             <a:extLst>
               <a:ext uri="{FF2B5EF4-FFF2-40B4-BE49-F238E27FC236}">
-                <a16:creationId xmlns="" xmlns:a16="http://schemas.microsoft.com/office/drawing/2014/main" id="{62FFCB5E-7F05-F140-9D46-DE2FFA1E0184}"/>
+                <a16:creationId xmlns:a16="http://schemas.microsoft.com/office/drawing/2014/main" xmlns="" id="{62FFCB5E-7F05-F140-9D46-DE2FFA1E0184}"/>
               </a:ext>
             </a:extLst>
           </p:cNvPr>
@@ -18335,7 +18530,7 @@
           <p:cNvPr id="4" name="Footer Placeholder 3">
             <a:extLst>
               <a:ext uri="{FF2B5EF4-FFF2-40B4-BE49-F238E27FC236}">
-                <a16:creationId xmlns="" xmlns:a16="http://schemas.microsoft.com/office/drawing/2014/main" id="{DE00FACC-DC5D-D941-B07B-D171360459F6}"/>
+                <a16:creationId xmlns:a16="http://schemas.microsoft.com/office/drawing/2014/main" xmlns="" id="{DE00FACC-DC5D-D941-B07B-D171360459F6}"/>
               </a:ext>
             </a:extLst>
           </p:cNvPr>
@@ -18360,7 +18555,7 @@
           <p:cNvPr id="5" name="Slide Number Placeholder 4">
             <a:extLst>
               <a:ext uri="{FF2B5EF4-FFF2-40B4-BE49-F238E27FC236}">
-                <a16:creationId xmlns="" xmlns:a16="http://schemas.microsoft.com/office/drawing/2014/main" id="{F7CA7269-4430-C44D-84E9-C8BDB63F978F}"/>
+                <a16:creationId xmlns:a16="http://schemas.microsoft.com/office/drawing/2014/main" xmlns="" id="{F7CA7269-4430-C44D-84E9-C8BDB63F978F}"/>
               </a:ext>
             </a:extLst>
           </p:cNvPr>
@@ -18389,7 +18584,7 @@
           <p:cNvPr id="8" name="Picture 7">
             <a:extLst>
               <a:ext uri="{FF2B5EF4-FFF2-40B4-BE49-F238E27FC236}">
-                <a16:creationId xmlns="" xmlns:a16="http://schemas.microsoft.com/office/drawing/2014/main" id="{16104A28-1441-AE4C-9016-247481D965F7}"/>
+                <a16:creationId xmlns:a16="http://schemas.microsoft.com/office/drawing/2014/main" xmlns="" id="{16104A28-1441-AE4C-9016-247481D965F7}"/>
               </a:ext>
             </a:extLst>
           </p:cNvPr>
@@ -18665,7 +18860,7 @@
           <p:cNvPr id="10" name="Picture 9">
             <a:extLst>
               <a:ext uri="{FF2B5EF4-FFF2-40B4-BE49-F238E27FC236}">
-                <a16:creationId xmlns="" xmlns:a16="http://schemas.microsoft.com/office/drawing/2014/main" id="{02EADE89-2B53-D14B-A245-66F13308E305}"/>
+                <a16:creationId xmlns:a16="http://schemas.microsoft.com/office/drawing/2014/main" xmlns="" id="{02EADE89-2B53-D14B-A245-66F13308E305}"/>
               </a:ext>
             </a:extLst>
           </p:cNvPr>
@@ -18791,7 +18986,7 @@
           <p:cNvPr id="9" name="Picture 8">
             <a:extLst>
               <a:ext uri="{FF2B5EF4-FFF2-40B4-BE49-F238E27FC236}">
-                <a16:creationId xmlns="" xmlns:a16="http://schemas.microsoft.com/office/drawing/2014/main" id="{23D6FE84-8A3A-1D45-9087-ABAABC113C49}"/>
+                <a16:creationId xmlns:a16="http://schemas.microsoft.com/office/drawing/2014/main" xmlns="" id="{23D6FE84-8A3A-1D45-9087-ABAABC113C49}"/>
               </a:ext>
             </a:extLst>
           </p:cNvPr>
@@ -18852,7 +19047,7 @@
           <p:cNvPr id="2" name="Title 1">
             <a:extLst>
               <a:ext uri="{FF2B5EF4-FFF2-40B4-BE49-F238E27FC236}">
-                <a16:creationId xmlns="" xmlns:a16="http://schemas.microsoft.com/office/drawing/2014/main" id="{98F702B5-97DF-1747-9261-267AFC8A0B89}"/>
+                <a16:creationId xmlns:a16="http://schemas.microsoft.com/office/drawing/2014/main" xmlns="" id="{98F702B5-97DF-1747-9261-267AFC8A0B89}"/>
               </a:ext>
             </a:extLst>
           </p:cNvPr>
@@ -18880,7 +19075,7 @@
           <p:cNvPr id="4" name="Picture 3">
             <a:extLst>
               <a:ext uri="{FF2B5EF4-FFF2-40B4-BE49-F238E27FC236}">
-                <a16:creationId xmlns="" xmlns:a16="http://schemas.microsoft.com/office/drawing/2014/main" id="{183B6B97-2D86-354E-8C87-5AC56DC87F2A}"/>
+                <a16:creationId xmlns:a16="http://schemas.microsoft.com/office/drawing/2014/main" xmlns="" id="{183B6B97-2D86-354E-8C87-5AC56DC87F2A}"/>
               </a:ext>
             </a:extLst>
           </p:cNvPr>
@@ -19168,7 +19363,7 @@
           <p:cNvPr id="9" name="Picture 8">
             <a:extLst>
               <a:ext uri="{FF2B5EF4-FFF2-40B4-BE49-F238E27FC236}">
-                <a16:creationId xmlns="" xmlns:a16="http://schemas.microsoft.com/office/drawing/2014/main" id="{F7F370BF-C70D-1E48-B99B-D92715EC6893}"/>
+                <a16:creationId xmlns:a16="http://schemas.microsoft.com/office/drawing/2014/main" xmlns="" id="{F7F370BF-C70D-1E48-B99B-D92715EC6893}"/>
               </a:ext>
             </a:extLst>
           </p:cNvPr>
@@ -19731,6 +19926,13 @@
   <p:clrMapOvr>
     <a:masterClrMapping/>
   </p:clrMapOvr>
+  <p:timing>
+    <p:tnLst>
+      <p:par>
+        <p:cTn xmlns:p14="http://schemas.microsoft.com/office/powerpoint/2010/main" id="1" dur="indefinite" restart="never" nodeType="tmRoot"/>
+      </p:par>
+    </p:tnLst>
+  </p:timing>
 </p:sld>
 </file>
 
@@ -20280,6 +20482,13 @@
   <p:clrMapOvr>
     <a:masterClrMapping/>
   </p:clrMapOvr>
+  <p:timing>
+    <p:tnLst>
+      <p:par>
+        <p:cTn xmlns:p14="http://schemas.microsoft.com/office/powerpoint/2010/main" id="1" dur="indefinite" restart="never" nodeType="tmRoot"/>
+      </p:par>
+    </p:tnLst>
+  </p:timing>
 </p:sld>
 </file>
 
@@ -20694,6 +20903,13 @@
   <p:clrMapOvr>
     <a:masterClrMapping/>
   </p:clrMapOvr>
+  <p:timing>
+    <p:tnLst>
+      <p:par>
+        <p:cTn xmlns:p14="http://schemas.microsoft.com/office/powerpoint/2010/main" id="1" dur="indefinite" restart="never" nodeType="tmRoot"/>
+      </p:par>
+    </p:tnLst>
+  </p:timing>
 </p:sld>
 </file>
 
@@ -20991,7 +21207,7 @@
           <p:nvPr/>
         </p:nvPicPr>
         <p:blipFill>
-          <a:blip r:embed="rId2" cstate="print"/>
+          <a:blip r:embed="rId3" cstate="print"/>
           <a:srcRect/>
           <a:stretch>
             <a:fillRect/>
@@ -21023,7 +21239,7 @@
           <p:nvPr/>
         </p:nvPicPr>
         <p:blipFill>
-          <a:blip r:embed="rId3" cstate="print"/>
+          <a:blip r:embed="rId4" cstate="print"/>
           <a:srcRect/>
           <a:stretch>
             <a:fillRect/>
@@ -21056,6 +21272,13 @@
   <p:clrMapOvr>
     <a:masterClrMapping/>
   </p:clrMapOvr>
+  <p:timing>
+    <p:tnLst>
+      <p:par>
+        <p:cTn xmlns:p14="http://schemas.microsoft.com/office/powerpoint/2010/main" id="1" dur="indefinite" restart="never" nodeType="tmRoot"/>
+      </p:par>
+    </p:tnLst>
+  </p:timing>
 </p:sld>
 </file>
 
@@ -21157,15 +21380,7 @@
                 <a:ea typeface="黑体"/>
                 <a:cs typeface="黑体"/>
               </a:rPr>
-              <a:t>特点</a:t>
-            </a:r>
-            <a:r>
-              <a:rPr kumimoji="1" lang="zh-CN" altLang="en-US" sz="1400" dirty="0" smtClean="0">
-                <a:latin typeface="黑体"/>
-                <a:ea typeface="黑体"/>
-                <a:cs typeface="黑体"/>
-              </a:rPr>
-              <a:t>：</a:t>
+              <a:t>特点：</a:t>
             </a:r>
             <a:endParaRPr kumimoji="1" lang="en-US" altLang="zh-CN" sz="1400" dirty="0" smtClean="0">
               <a:latin typeface="黑体"/>
@@ -21479,6 +21694,13 @@
   <p:clrMapOvr>
     <a:masterClrMapping/>
   </p:clrMapOvr>
+  <p:timing>
+    <p:tnLst>
+      <p:par>
+        <p:cTn xmlns:p14="http://schemas.microsoft.com/office/powerpoint/2010/main" id="1" dur="indefinite" restart="never" nodeType="tmRoot"/>
+      </p:par>
+    </p:tnLst>
+  </p:timing>
 </p:sld>
 </file>
 
@@ -21533,15 +21755,7 @@
                 <a:ea typeface="黑体"/>
                 <a:cs typeface="黑体"/>
               </a:rPr>
-              <a:t>TokuDB</a:t>
-            </a:r>
-            <a:r>
-              <a:rPr kumimoji="1" lang="en-US" altLang="en-US" sz="3600" dirty="0" err="1" smtClean="0">
-                <a:latin typeface="黑体"/>
-                <a:ea typeface="黑体"/>
-                <a:cs typeface="黑体"/>
-              </a:rPr>
-              <a:t>引擎</a:t>
+              <a:t>TokuDB引擎</a:t>
             </a:r>
             <a:r>
               <a:rPr kumimoji="1" lang="en-US" altLang="en-US" sz="3600" dirty="0" err="1">
@@ -22850,6 +23064,13 @@
   <p:clrMapOvr>
     <a:masterClrMapping/>
   </p:clrMapOvr>
+  <p:timing>
+    <p:tnLst>
+      <p:par>
+        <p:cTn xmlns:p14="http://schemas.microsoft.com/office/powerpoint/2010/main" id="1" dur="indefinite" restart="never" nodeType="tmRoot"/>
+      </p:par>
+    </p:tnLst>
+  </p:timing>
 </p:sld>
 </file>
 
@@ -23118,6 +23339,13 @@
   <p:clrMapOvr>
     <a:masterClrMapping/>
   </p:clrMapOvr>
+  <p:timing>
+    <p:tnLst>
+      <p:par>
+        <p:cTn xmlns:p14="http://schemas.microsoft.com/office/powerpoint/2010/main" id="1" dur="indefinite" restart="never" nodeType="tmRoot"/>
+      </p:par>
+    </p:tnLst>
+  </p:timing>
 </p:sld>
 </file>
 
@@ -23420,6 +23648,13 @@
   <p:clrMapOvr>
     <a:masterClrMapping/>
   </p:clrMapOvr>
+  <p:timing>
+    <p:tnLst>
+      <p:par>
+        <p:cTn xmlns:p14="http://schemas.microsoft.com/office/powerpoint/2010/main" id="1" dur="indefinite" restart="never" nodeType="tmRoot"/>
+      </p:par>
+    </p:tnLst>
+  </p:timing>
 </p:sld>
 </file>
 
@@ -23468,23 +23703,7 @@
                 <a:ea typeface="黑体"/>
                 <a:cs typeface="黑体"/>
               </a:rPr>
-              <a:t>遇</a:t>
-            </a:r>
-            <a:r>
-              <a:rPr kumimoji="1" lang="zh-CN" altLang="en-US" sz="3600" dirty="0" smtClean="0">
-                <a:latin typeface="黑体"/>
-                <a:ea typeface="黑体"/>
-                <a:cs typeface="黑体"/>
-              </a:rPr>
-              <a:t>到的</a:t>
-            </a:r>
-            <a:r>
-              <a:rPr kumimoji="1" lang="zh-CN" altLang="en-US" sz="3600" dirty="0" smtClean="0">
-                <a:latin typeface="黑体"/>
-                <a:ea typeface="黑体"/>
-                <a:cs typeface="黑体"/>
-              </a:rPr>
-              <a:t>问题举例</a:t>
+              <a:t>遇到的问题举例</a:t>
             </a:r>
             <a:endParaRPr kumimoji="1" lang="zh-CN" altLang="en-US" sz="3600" dirty="0">
               <a:latin typeface="黑体"/>
@@ -23545,15 +23764,7 @@
                 <a:ea typeface="黑体"/>
                 <a:cs typeface="黑体"/>
               </a:rPr>
-              <a:t>唯一键约束失效</a:t>
-            </a:r>
-            <a:r>
-              <a:rPr kumimoji="1" lang="zh-CN" altLang="en-US" sz="1400" dirty="0" smtClean="0">
-                <a:latin typeface="黑体"/>
-                <a:ea typeface="黑体"/>
-                <a:cs typeface="黑体"/>
-              </a:rPr>
-              <a:t>，</a:t>
+              <a:t>唯一键约束失效，</a:t>
             </a:r>
             <a:r>
               <a:rPr kumimoji="1" lang="zh-CN" altLang="en-US" sz="1400" dirty="0" smtClean="0">
@@ -23586,18 +23797,7 @@
                 <a:ea typeface="黑体"/>
                 <a:cs typeface="黑体"/>
               </a:rPr>
-              <a:t>插入多条数据</a:t>
-            </a:r>
-            <a:r>
-              <a:rPr kumimoji="1" lang="zh-CN" altLang="en-US" sz="1400" dirty="0" smtClean="0">
-                <a:solidFill>
-                  <a:srgbClr val="FF0000"/>
-                </a:solidFill>
-                <a:latin typeface="黑体"/>
-                <a:ea typeface="黑体"/>
-                <a:cs typeface="黑体"/>
-              </a:rPr>
-              <a:t>。</a:t>
+              <a:t>插入多条数据。</a:t>
             </a:r>
             <a:endParaRPr kumimoji="1" lang="en-US" altLang="zh-CN" sz="1400" dirty="0" smtClean="0">
               <a:solidFill>
@@ -23633,15 +23833,7 @@
                 <a:ea typeface="黑体"/>
                 <a:cs typeface="黑体"/>
               </a:rPr>
-              <a:t>难点</a:t>
-            </a:r>
-            <a:r>
-              <a:rPr kumimoji="1" lang="zh-CN" altLang="en-US" dirty="0" smtClean="0">
-                <a:latin typeface="黑体"/>
-                <a:ea typeface="黑体"/>
-                <a:cs typeface="黑体"/>
-              </a:rPr>
-              <a:t>：</a:t>
+              <a:t>难点：</a:t>
             </a:r>
             <a:endParaRPr kumimoji="1" lang="en-US" altLang="zh-CN" dirty="0" smtClean="0">
               <a:latin typeface="黑体"/>
@@ -23690,25 +23882,7 @@
                 <a:cs typeface="黑体"/>
                 <a:sym typeface="Wingdings"/>
               </a:rPr>
-              <a:t>锁</a:t>
-            </a:r>
-            <a:r>
-              <a:rPr kumimoji="1" lang="zh-CN" altLang="en-US" sz="1400" dirty="0" smtClean="0">
-                <a:latin typeface="黑体"/>
-                <a:ea typeface="黑体"/>
-                <a:cs typeface="黑体"/>
-                <a:sym typeface="Wingdings"/>
-              </a:rPr>
-              <a:t>的问题一般都很复杂</a:t>
-            </a:r>
-            <a:r>
-              <a:rPr kumimoji="1" lang="zh-CN" altLang="en-US" sz="1400" dirty="0" smtClean="0">
-                <a:latin typeface="黑体"/>
-                <a:ea typeface="黑体"/>
-                <a:cs typeface="黑体"/>
-                <a:sym typeface="Wingdings"/>
-              </a:rPr>
-              <a:t></a:t>
+              <a:t>锁的问题一般都很复杂</a:t>
             </a:r>
             <a:endParaRPr kumimoji="1" lang="en-US" altLang="zh-CN" sz="1400" dirty="0" smtClean="0">
               <a:latin typeface="黑体"/>
@@ -24006,6 +24180,13 @@
   <p:clrMapOvr>
     <a:masterClrMapping/>
   </p:clrMapOvr>
+  <p:timing>
+    <p:tnLst>
+      <p:par>
+        <p:cTn xmlns:p14="http://schemas.microsoft.com/office/powerpoint/2010/main" id="1" dur="indefinite" restart="never" nodeType="tmRoot"/>
+      </p:par>
+    </p:tnLst>
+  </p:timing>
 </p:sld>
 </file>
 
@@ -24062,15 +24243,7 @@
                 <a:ea typeface="黑体"/>
                 <a:cs typeface="黑体"/>
               </a:rPr>
-              <a:t>bug</a:t>
-            </a:r>
-            <a:r>
-              <a:rPr kumimoji="1" lang="en-US" altLang="zh-CN" sz="3600" dirty="0" smtClean="0">
-                <a:latin typeface="黑体"/>
-                <a:ea typeface="黑体"/>
-                <a:cs typeface="黑体"/>
-              </a:rPr>
-              <a:t>s</a:t>
+              <a:t>bugs</a:t>
             </a:r>
             <a:endParaRPr kumimoji="1" lang="zh-CN" altLang="en-US" sz="3600" dirty="0">
               <a:latin typeface="黑体"/>
@@ -24366,6 +24539,13 @@
   <p:clrMapOvr>
     <a:masterClrMapping/>
   </p:clrMapOvr>
+  <p:timing>
+    <p:tnLst>
+      <p:par>
+        <p:cTn xmlns:p14="http://schemas.microsoft.com/office/powerpoint/2010/main" id="1" dur="indefinite" restart="never" nodeType="tmRoot"/>
+      </p:par>
+    </p:tnLst>
+  </p:timing>
 </p:sld>
 </file>
 
@@ -25601,6 +25781,13 @@
   <p:clrMapOvr>
     <a:masterClrMapping/>
   </p:clrMapOvr>
+  <p:timing>
+    <p:tnLst>
+      <p:par>
+        <p:cTn xmlns:p14="http://schemas.microsoft.com/office/powerpoint/2010/main" id="1" dur="indefinite" restart="never" nodeType="tmRoot"/>
+      </p:par>
+    </p:tnLst>
+  </p:timing>
 </p:sld>
 </file>
 
@@ -25726,6 +25913,13 @@
   <p:clrMapOvr>
     <a:masterClrMapping/>
   </p:clrMapOvr>
+  <p:timing>
+    <p:tnLst>
+      <p:par>
+        <p:cTn xmlns:p14="http://schemas.microsoft.com/office/powerpoint/2010/main" id="1" dur="indefinite" restart="never" nodeType="tmRoot"/>
+      </p:par>
+    </p:tnLst>
+  </p:timing>
 </p:sld>
 </file>
 
@@ -27169,6 +27363,13 @@
   <p:clrMapOvr>
     <a:masterClrMapping/>
   </p:clrMapOvr>
+  <p:timing>
+    <p:tnLst>
+      <p:par>
+        <p:cTn xmlns:p14="http://schemas.microsoft.com/office/powerpoint/2010/main" id="1" dur="indefinite" restart="never" nodeType="tmRoot"/>
+      </p:par>
+    </p:tnLst>
+  </p:timing>
 </p:sld>
 </file>
 
@@ -27748,6 +27949,13 @@
   <p:clrMapOvr>
     <a:masterClrMapping/>
   </p:clrMapOvr>
+  <p:timing>
+    <p:tnLst>
+      <p:par>
+        <p:cTn xmlns:p14="http://schemas.microsoft.com/office/powerpoint/2010/main" id="1" dur="indefinite" restart="never" nodeType="tmRoot"/>
+      </p:par>
+    </p:tnLst>
+  </p:timing>
 </p:sld>
 </file>
 
@@ -28589,7 +28797,17 @@
                 <a:latin typeface="微软雅黑" pitchFamily="34" charset="-122"/>
                 <a:ea typeface="微软雅黑" pitchFamily="34" charset="-122"/>
               </a:rPr>
-              <a:t>B</a:t>
+              <a:t>B+</a:t>
+            </a:r>
+            <a:r>
+              <a:rPr kumimoji="1" lang="zh-CN" altLang="en-US" sz="1100" dirty="0" smtClean="0">
+                <a:solidFill>
+                  <a:prstClr val="black"/>
+                </a:solidFill>
+                <a:latin typeface="微软雅黑" pitchFamily="34" charset="-122"/>
+                <a:ea typeface="微软雅黑" pitchFamily="34" charset="-122"/>
+              </a:rPr>
+              <a:t>树，</a:t>
             </a:r>
             <a:r>
               <a:rPr kumimoji="1" lang="en-US" altLang="zh-CN" sz="1100" dirty="0" smtClean="0">
@@ -28599,7 +28817,7 @@
                 <a:latin typeface="微软雅黑" pitchFamily="34" charset="-122"/>
                 <a:ea typeface="微软雅黑" pitchFamily="34" charset="-122"/>
               </a:rPr>
-              <a:t>+</a:t>
+              <a:t>FTL</a:t>
             </a:r>
             <a:r>
               <a:rPr kumimoji="1" lang="zh-CN" altLang="en-US" sz="1100" dirty="0" smtClean="0">
@@ -28609,47 +28827,7 @@
                 <a:latin typeface="微软雅黑" pitchFamily="34" charset="-122"/>
                 <a:ea typeface="微软雅黑" pitchFamily="34" charset="-122"/>
               </a:rPr>
-              <a:t>树</a:t>
-            </a:r>
-            <a:r>
-              <a:rPr kumimoji="1" lang="zh-CN" altLang="en-US" sz="1100" dirty="0" smtClean="0">
-                <a:solidFill>
-                  <a:prstClr val="black"/>
-                </a:solidFill>
-                <a:latin typeface="微软雅黑" pitchFamily="34" charset="-122"/>
-                <a:ea typeface="微软雅黑" pitchFamily="34" charset="-122"/>
-              </a:rPr>
-              <a:t>，</a:t>
-            </a:r>
-            <a:r>
-              <a:rPr kumimoji="1" lang="en-US" altLang="zh-CN" sz="1100" dirty="0" smtClean="0">
-                <a:solidFill>
-                  <a:prstClr val="black"/>
-                </a:solidFill>
-                <a:latin typeface="微软雅黑" pitchFamily="34" charset="-122"/>
-                <a:ea typeface="微软雅黑" pitchFamily="34" charset="-122"/>
-              </a:rPr>
-              <a:t>FTL</a:t>
-            </a:r>
-            <a:r>
-              <a:rPr kumimoji="1" lang="zh-CN" altLang="en-US" sz="1100" dirty="0" smtClean="0">
-                <a:solidFill>
-                  <a:prstClr val="black"/>
-                </a:solidFill>
-                <a:latin typeface="微软雅黑" pitchFamily="34" charset="-122"/>
-                <a:ea typeface="微软雅黑" pitchFamily="34" charset="-122"/>
-              </a:rPr>
-              <a:t>树</a:t>
-            </a:r>
-            <a:r>
-              <a:rPr kumimoji="1" lang="zh-CN" altLang="en-US" sz="1100" dirty="0" smtClean="0">
-                <a:solidFill>
-                  <a:prstClr val="black"/>
-                </a:solidFill>
-                <a:latin typeface="微软雅黑" pitchFamily="34" charset="-122"/>
-                <a:ea typeface="微软雅黑" pitchFamily="34" charset="-122"/>
-              </a:rPr>
-              <a:t>。</a:t>
+              <a:t>树。</a:t>
             </a:r>
             <a:endParaRPr kumimoji="1" lang="en-US" altLang="zh-CN" sz="1100" dirty="0" smtClean="0">
               <a:solidFill>
@@ -28705,17 +28883,7 @@
                 <a:latin typeface="微软雅黑" pitchFamily="34" charset="-122"/>
                 <a:ea typeface="微软雅黑" pitchFamily="34" charset="-122"/>
               </a:rPr>
-              <a:t>接近</a:t>
-            </a:r>
-            <a:r>
-              <a:rPr kumimoji="1" lang="zh-CN" altLang="en-US" sz="1100" dirty="0" smtClean="0">
-                <a:solidFill>
-                  <a:prstClr val="black"/>
-                </a:solidFill>
-                <a:latin typeface="微软雅黑" pitchFamily="34" charset="-122"/>
-                <a:ea typeface="微软雅黑" pitchFamily="34" charset="-122"/>
-              </a:rPr>
-              <a:t>。</a:t>
+              <a:t>接近。</a:t>
             </a:r>
             <a:endParaRPr kumimoji="1" lang="en-US" altLang="zh-CN" sz="1100" dirty="0">
               <a:solidFill>
@@ -28761,27 +28929,7 @@
                 <a:latin typeface="微软雅黑" pitchFamily="34" charset="-122"/>
                 <a:ea typeface="微软雅黑" pitchFamily="34" charset="-122"/>
               </a:rPr>
-              <a:t>厂商纷纷</a:t>
-            </a:r>
-            <a:r>
-              <a:rPr kumimoji="1" lang="zh-CN" altLang="en-US" sz="1100" dirty="0" smtClean="0">
-                <a:solidFill>
-                  <a:prstClr val="black"/>
-                </a:solidFill>
-                <a:latin typeface="微软雅黑" pitchFamily="34" charset="-122"/>
-                <a:ea typeface="微软雅黑" pitchFamily="34" charset="-122"/>
-              </a:rPr>
-              <a:t>采用</a:t>
-            </a:r>
-            <a:r>
-              <a:rPr kumimoji="1" lang="zh-CN" altLang="en-US" sz="1100" dirty="0" smtClean="0">
-                <a:solidFill>
-                  <a:prstClr val="black"/>
-                </a:solidFill>
-                <a:latin typeface="微软雅黑" pitchFamily="34" charset="-122"/>
-                <a:ea typeface="微软雅黑" pitchFamily="34" charset="-122"/>
-              </a:rPr>
-              <a:t>。</a:t>
+              <a:t>厂商纷纷采用。</a:t>
             </a:r>
             <a:endParaRPr kumimoji="1" lang="zh-CN" altLang="en-US" sz="1100" dirty="0">
               <a:solidFill>
@@ -30826,6 +30974,13 @@
   <p:clrMapOvr>
     <a:masterClrMapping/>
   </p:clrMapOvr>
+  <p:timing>
+    <p:tnLst>
+      <p:par>
+        <p:cTn xmlns:p14="http://schemas.microsoft.com/office/powerpoint/2010/main" id="1" dur="indefinite" restart="never" nodeType="tmRoot"/>
+      </p:par>
+    </p:tnLst>
+  </p:timing>
 </p:sld>
 </file>
 
@@ -32314,6 +32469,13 @@
   <p:clrMapOvr>
     <a:masterClrMapping/>
   </p:clrMapOvr>
+  <p:timing>
+    <p:tnLst>
+      <p:par>
+        <p:cTn xmlns:p14="http://schemas.microsoft.com/office/powerpoint/2010/main" id="1" dur="indefinite" restart="never" nodeType="tmRoot"/>
+      </p:par>
+    </p:tnLst>
+  </p:timing>
 </p:sld>
 </file>
 
@@ -32344,6 +32506,13 @@
   <p:clrMapOvr>
     <a:masterClrMapping/>
   </p:clrMapOvr>
+  <p:timing>
+    <p:tnLst>
+      <p:par>
+        <p:cTn xmlns:p14="http://schemas.microsoft.com/office/powerpoint/2010/main" id="1" dur="indefinite" restart="never" nodeType="tmRoot"/>
+      </p:par>
+    </p:tnLst>
+  </p:timing>
 </p:sld>
 </file>
 
@@ -32564,6 +32733,13 @@
   <p:clrMapOvr>
     <a:masterClrMapping/>
   </p:clrMapOvr>
+  <p:timing>
+    <p:tnLst>
+      <p:par>
+        <p:cTn xmlns:p14="http://schemas.microsoft.com/office/powerpoint/2010/main" id="1" dur="indefinite" restart="never" nodeType="tmRoot"/>
+      </p:par>
+    </p:tnLst>
+  </p:timing>
 </p:sld>
 </file>
 
@@ -37576,6 +37752,13 @@
   <p:clrMapOvr>
     <a:masterClrMapping/>
   </p:clrMapOvr>
+  <p:timing>
+    <p:tnLst>
+      <p:par>
+        <p:cTn xmlns:p14="http://schemas.microsoft.com/office/powerpoint/2010/main" id="1" dur="indefinite" restart="never" nodeType="tmRoot"/>
+      </p:par>
+    </p:tnLst>
+  </p:timing>
 </p:sld>
 </file>
 
@@ -38247,6 +38430,13 @@
   <p:clrMapOvr>
     <a:masterClrMapping/>
   </p:clrMapOvr>
+  <p:timing>
+    <p:tnLst>
+      <p:par>
+        <p:cTn xmlns:p14="http://schemas.microsoft.com/office/powerpoint/2010/main" id="1" dur="indefinite" restart="never" nodeType="tmRoot"/>
+      </p:par>
+    </p:tnLst>
+  </p:timing>
 </p:sld>
 </file>
 
@@ -38500,15 +38690,7 @@
                 <a:ea typeface="黑体"/>
                 <a:cs typeface="黑体"/>
               </a:rPr>
-              <a:t>   </a:t>
-            </a:r>
-            <a:r>
-              <a:rPr lang="zh-CN" altLang="en-US" dirty="0" smtClean="0">
-                <a:latin typeface="黑体"/>
-                <a:ea typeface="黑体"/>
-                <a:cs typeface="黑体"/>
-              </a:rPr>
-              <a:t>异步压缩</a:t>
+              <a:t>   异步压缩</a:t>
             </a:r>
             <a:endParaRPr lang="en-US" altLang="zh-CN" dirty="0" smtClean="0">
               <a:latin typeface="黑体"/>
@@ -38603,6 +38785,13 @@
   <p:clrMapOvr>
     <a:masterClrMapping/>
   </p:clrMapOvr>
+  <p:timing>
+    <p:tnLst>
+      <p:par>
+        <p:cTn xmlns:p14="http://schemas.microsoft.com/office/powerpoint/2010/main" id="1" dur="indefinite" restart="never" nodeType="tmRoot"/>
+      </p:par>
+    </p:tnLst>
+  </p:timing>
 </p:sld>
 </file>
 
@@ -38761,7 +38950,7 @@
           <p:nvPr/>
         </p:nvPicPr>
         <p:blipFill>
-          <a:blip r:embed="rId2"/>
+          <a:blip r:embed="rId3"/>
           <a:stretch>
             <a:fillRect/>
           </a:stretch>
@@ -38785,7 +38974,7 @@
           <p:nvPr/>
         </p:nvPicPr>
         <p:blipFill>
-          <a:blip r:embed="rId3"/>
+          <a:blip r:embed="rId4"/>
           <a:stretch>
             <a:fillRect/>
           </a:stretch>
@@ -38810,6 +38999,13 @@
   <p:clrMapOvr>
     <a:masterClrMapping/>
   </p:clrMapOvr>
+  <p:timing>
+    <p:tnLst>
+      <p:par>
+        <p:cTn xmlns:p14="http://schemas.microsoft.com/office/powerpoint/2010/main" id="1" dur="indefinite" restart="never" nodeType="tmRoot"/>
+      </p:par>
+    </p:tnLst>
+  </p:timing>
 </p:sld>
 </file>
 
